--- a/1_github/Practice on git.pptx
+++ b/1_github/Practice on git.pptx
@@ -5,16 +5,17 @@
     <p:sldMasterId id="2147483648" r:id="rId1"/>
   </p:sldMasterIdLst>
   <p:notesMasterIdLst>
-    <p:notesMasterId r:id="rId7"/>
+    <p:notesMasterId r:id="rId8"/>
   </p:notesMasterIdLst>
   <p:handoutMasterIdLst>
-    <p:handoutMasterId r:id="rId8"/>
+    <p:handoutMasterId r:id="rId9"/>
   </p:handoutMasterIdLst>
   <p:sldIdLst>
     <p:sldId id="256" r:id="rId3"/>
     <p:sldId id="257" r:id="rId4"/>
     <p:sldId id="258" r:id="rId5"/>
     <p:sldId id="259" r:id="rId6"/>
+    <p:sldId id="260" r:id="rId7"/>
   </p:sldIdLst>
   <p:sldSz cx="12192000" cy="6858000"/>
   <p:notesSz cx="7103745" cy="10234295"/>
@@ -5354,6 +5355,110 @@
       <p:transition spd="slow"/>
     </mc:Fallback>
   </mc:AlternateContent>
+</p:sld>
+</file>
+
+<file path=ppt/slides/slide5.xml><?xml version="1.0" encoding="utf-8"?>
+<p:sld xmlns:a="http://schemas.openxmlformats.org/drawingml/2006/main" xmlns:r="http://schemas.openxmlformats.org/officeDocument/2006/relationships" xmlns:p="http://schemas.openxmlformats.org/presentationml/2006/main">
+  <p:cSld>
+    <p:spTree>
+      <p:nvGrpSpPr>
+        <p:cNvPr id="1" name=""/>
+        <p:cNvGrpSpPr/>
+        <p:nvPr/>
+      </p:nvGrpSpPr>
+      <p:grpSpPr/>
+      <p:sp>
+        <p:nvSpPr>
+          <p:cNvPr id="2" name="Title 1"/>
+          <p:cNvSpPr>
+            <a:spLocks noGrp="1"/>
+          </p:cNvSpPr>
+          <p:nvPr>
+            <p:ph type="title"/>
+          </p:nvPr>
+        </p:nvSpPr>
+        <p:spPr/>
+        <p:txBody>
+          <a:bodyPr/>
+          <a:p>
+            <a:r>
+              <a:rPr lang="en-US"/>
+              <a:t>Home work</a:t>
+            </a:r>
+            <a:endParaRPr lang="en-US"/>
+          </a:p>
+        </p:txBody>
+      </p:sp>
+      <p:sp>
+        <p:nvSpPr>
+          <p:cNvPr id="3" name="Content Placeholder 2"/>
+          <p:cNvSpPr>
+            <a:spLocks noGrp="1"/>
+          </p:cNvSpPr>
+          <p:nvPr>
+            <p:ph idx="1"/>
+          </p:nvPr>
+        </p:nvSpPr>
+        <p:spPr/>
+        <p:txBody>
+          <a:bodyPr/>
+          <a:p>
+            <a:r>
+              <a:rPr lang="en-US"/>
+              <a:t>Follow the best_practice.md to pratice the git skills</a:t>
+            </a:r>
+            <a:endParaRPr lang="en-US"/>
+          </a:p>
+          <a:p>
+            <a:r>
+              <a:rPr lang="en-US"/>
+              <a:t>upload your CV to the shared repository (TBD)</a:t>
+            </a:r>
+            <a:endParaRPr lang="en-US"/>
+          </a:p>
+          <a:p>
+            <a:r>
+              <a:rPr lang="en-US"/>
+              <a:t>supplementary materious (optional)</a:t>
+            </a:r>
+            <a:endParaRPr lang="en-US"/>
+          </a:p>
+          <a:p>
+            <a:pPr lvl="1"/>
+            <a:r>
+              <a:rPr lang="en-US"/>
+              <a:t>https://www.youtube.com/watch?v=2nYUyP7l7zg</a:t>
+            </a:r>
+            <a:endParaRPr lang="en-US"/>
+          </a:p>
+          <a:p>
+            <a:pPr lvl="1"/>
+            <a:r>
+              <a:rPr lang="en-US"/>
+              <a:t>https://www.ifi.uzh.ch/dam/jcr:ff780599-d5e2-4d05-b923-1c333cbf2842/A%20Tutorial%20for%20GitHub.pdf</a:t>
+            </a:r>
+            <a:endParaRPr lang="en-US"/>
+          </a:p>
+          <a:p>
+            <a:pPr lvl="1"/>
+            <a:r>
+              <a:rPr lang="en-US"/>
+              <a:t>https://githubtraining.github.io/training-manual/legacy-manual.pdf</a:t>
+            </a:r>
+            <a:endParaRPr lang="en-US"/>
+          </a:p>
+          <a:p>
+            <a:pPr lvl="1"/>
+            <a:endParaRPr lang="en-US"/>
+          </a:p>
+        </p:txBody>
+      </p:sp>
+    </p:spTree>
+  </p:cSld>
+  <p:clrMapOvr>
+    <a:masterClrMapping/>
+  </p:clrMapOvr>
 </p:sld>
 </file>
 
